--- a/docs/Wireframes.pptx
+++ b/docs/Wireframes.pptx
@@ -3958,7 +3958,7 @@
         <p:spPr>
           <a:xfrm>
             <a:off x="2333754" y="1059093"/>
-            <a:ext cx="1132927" cy="276999"/>
+            <a:ext cx="1132927" cy="246221"/>
           </a:xfrm>
           <a:prstGeom prst="rect">
             <a:avLst/>
@@ -3972,14 +3972,14 @@
           <a:lstStyle/>
           <a:p>
             <a:r>
-              <a:rPr lang="en-US" sz="1200" u="sng" smtClean="0">
+              <a:rPr lang="en-US" sz="1000" u="sng" dirty="0" smtClean="0">
                 <a:solidFill>
                   <a:srgbClr val="F3FFF1"/>
                 </a:solidFill>
               </a:rPr>
               <a:t>My Dashboard</a:t>
             </a:r>
-            <a:endParaRPr lang="en-US" sz="1200" u="sng" dirty="0">
+            <a:endParaRPr lang="en-US" sz="1000" u="sng" dirty="0">
               <a:solidFill>
                 <a:srgbClr val="F3FFF1"/>
               </a:solidFill>
@@ -3996,7 +3996,7 @@
         <p:spPr>
           <a:xfrm>
             <a:off x="3384564" y="1059093"/>
-            <a:ext cx="851335" cy="276999"/>
+            <a:ext cx="851335" cy="246221"/>
           </a:xfrm>
           <a:prstGeom prst="rect">
             <a:avLst/>
@@ -4010,14 +4010,14 @@
           <a:lstStyle/>
           <a:p>
             <a:r>
-              <a:rPr lang="en-US" sz="1200" dirty="0" smtClean="0">
+              <a:rPr lang="en-US" sz="1000" dirty="0" smtClean="0">
                 <a:solidFill>
                   <a:schemeClr val="bg1"/>
                 </a:solidFill>
               </a:rPr>
               <a:t>My Profile</a:t>
             </a:r>
-            <a:endParaRPr lang="en-US" sz="1200" dirty="0">
+            <a:endParaRPr lang="en-US" sz="1000" dirty="0">
               <a:solidFill>
                 <a:schemeClr val="bg1"/>
               </a:solidFill>
@@ -4034,7 +4034,7 @@
         <p:spPr>
           <a:xfrm>
             <a:off x="4180606" y="1059093"/>
-            <a:ext cx="851335" cy="276999"/>
+            <a:ext cx="851335" cy="246221"/>
           </a:xfrm>
           <a:prstGeom prst="rect">
             <a:avLst/>
@@ -4048,14 +4048,14 @@
           <a:lstStyle/>
           <a:p>
             <a:r>
-              <a:rPr lang="en-US" sz="1200" dirty="0" smtClean="0">
+              <a:rPr lang="en-US" sz="1000" dirty="0" smtClean="0">
                 <a:solidFill>
                   <a:schemeClr val="bg1"/>
                 </a:solidFill>
               </a:rPr>
               <a:t>My Team</a:t>
             </a:r>
-            <a:endParaRPr lang="en-US" sz="1200" dirty="0">
+            <a:endParaRPr lang="en-US" sz="1000" dirty="0">
               <a:solidFill>
                 <a:schemeClr val="bg1"/>
               </a:solidFill>
@@ -6646,7 +6646,7 @@
         <p:spPr>
           <a:xfrm>
             <a:off x="2333755" y="1059093"/>
-            <a:ext cx="598633" cy="276999"/>
+            <a:ext cx="598633" cy="246221"/>
           </a:xfrm>
           <a:prstGeom prst="rect">
             <a:avLst/>
@@ -6660,14 +6660,14 @@
           <a:lstStyle/>
           <a:p>
             <a:r>
-              <a:rPr lang="en-US" sz="1200" dirty="0" smtClean="0">
+              <a:rPr lang="en-US" sz="1000" dirty="0" smtClean="0">
                 <a:solidFill>
                   <a:srgbClr val="F3FFF1"/>
                 </a:solidFill>
               </a:rPr>
               <a:t>Home</a:t>
             </a:r>
-            <a:endParaRPr lang="en-US" sz="1200" dirty="0">
+            <a:endParaRPr lang="en-US" sz="1000" dirty="0">
               <a:solidFill>
                 <a:srgbClr val="F3FFF1"/>
               </a:solidFill>
@@ -6684,7 +6684,7 @@
         <p:spPr>
           <a:xfrm>
             <a:off x="2932388" y="1059093"/>
-            <a:ext cx="851335" cy="276999"/>
+            <a:ext cx="851335" cy="246221"/>
           </a:xfrm>
           <a:prstGeom prst="rect">
             <a:avLst/>
@@ -6698,14 +6698,14 @@
           <a:lstStyle/>
           <a:p>
             <a:r>
-              <a:rPr lang="en-US" sz="1200" u="sng" dirty="0" smtClean="0">
+              <a:rPr lang="en-US" sz="1000" u="sng" dirty="0" smtClean="0">
                 <a:solidFill>
                   <a:schemeClr val="bg1"/>
                 </a:solidFill>
               </a:rPr>
               <a:t>My Profile</a:t>
             </a:r>
-            <a:endParaRPr lang="en-US" sz="1200" u="sng" dirty="0">
+            <a:endParaRPr lang="en-US" sz="1000" u="sng" dirty="0">
               <a:solidFill>
                 <a:schemeClr val="bg1"/>
               </a:solidFill>
@@ -6722,7 +6722,7 @@
         <p:spPr>
           <a:xfrm>
             <a:off x="3728430" y="1059093"/>
-            <a:ext cx="851335" cy="276999"/>
+            <a:ext cx="851335" cy="246221"/>
           </a:xfrm>
           <a:prstGeom prst="rect">
             <a:avLst/>
@@ -6736,14 +6736,14 @@
           <a:lstStyle/>
           <a:p>
             <a:r>
-              <a:rPr lang="en-US" sz="1200" dirty="0" smtClean="0">
+              <a:rPr lang="en-US" sz="1000" dirty="0" smtClean="0">
                 <a:solidFill>
                   <a:schemeClr val="bg1"/>
                 </a:solidFill>
               </a:rPr>
               <a:t>My Team</a:t>
             </a:r>
-            <a:endParaRPr lang="en-US" sz="1200" dirty="0">
+            <a:endParaRPr lang="en-US" sz="1000" dirty="0">
               <a:solidFill>
                 <a:schemeClr val="bg1"/>
               </a:solidFill>
@@ -6914,17 +6914,7 @@
                   </a:schemeClr>
                 </a:solidFill>
               </a:rPr>
-              <a:t>My </a:t>
-            </a:r>
-            <a:r>
-              <a:rPr lang="en-US" sz="1200" dirty="0" smtClean="0">
-                <a:solidFill>
-                  <a:schemeClr val="accent1">
-                    <a:lumMod val="75000"/>
-                  </a:schemeClr>
-                </a:solidFill>
-              </a:rPr>
-              <a:t>Work Info</a:t>
+              <a:t>My Work Info</a:t>
             </a:r>
             <a:endParaRPr lang="en-US" sz="1200" dirty="0">
               <a:solidFill>
@@ -8134,7 +8124,7 @@
         <p:spPr>
           <a:xfrm>
             <a:off x="2333754" y="1059093"/>
-            <a:ext cx="1132927" cy="276999"/>
+            <a:ext cx="1132927" cy="246221"/>
           </a:xfrm>
           <a:prstGeom prst="rect">
             <a:avLst/>
@@ -8148,14 +8138,14 @@
           <a:lstStyle/>
           <a:p>
             <a:r>
-              <a:rPr lang="en-US" sz="1200" dirty="0" smtClean="0">
+              <a:rPr lang="en-US" sz="1000" dirty="0" smtClean="0">
                 <a:solidFill>
                   <a:srgbClr val="F3FFF1"/>
                 </a:solidFill>
               </a:rPr>
               <a:t>My Dashboard</a:t>
             </a:r>
-            <a:endParaRPr lang="en-US" sz="1200" dirty="0">
+            <a:endParaRPr lang="en-US" sz="1000" dirty="0">
               <a:solidFill>
                 <a:srgbClr val="F3FFF1"/>
               </a:solidFill>
@@ -8172,7 +8162,7 @@
         <p:spPr>
           <a:xfrm>
             <a:off x="3384564" y="1059093"/>
-            <a:ext cx="851335" cy="276999"/>
+            <a:ext cx="851335" cy="246221"/>
           </a:xfrm>
           <a:prstGeom prst="rect">
             <a:avLst/>
@@ -8186,14 +8176,14 @@
           <a:lstStyle/>
           <a:p>
             <a:r>
-              <a:rPr lang="en-US" sz="1200" dirty="0" smtClean="0">
+              <a:rPr lang="en-US" sz="1000" dirty="0" smtClean="0">
                 <a:solidFill>
                   <a:schemeClr val="bg1"/>
                 </a:solidFill>
               </a:rPr>
               <a:t>My Profile</a:t>
             </a:r>
-            <a:endParaRPr lang="en-US" sz="1200" dirty="0">
+            <a:endParaRPr lang="en-US" sz="1000" dirty="0">
               <a:solidFill>
                 <a:schemeClr val="bg1"/>
               </a:solidFill>
@@ -8210,7 +8200,7 @@
         <p:spPr>
           <a:xfrm>
             <a:off x="4180606" y="1059093"/>
-            <a:ext cx="851335" cy="276999"/>
+            <a:ext cx="851335" cy="246221"/>
           </a:xfrm>
           <a:prstGeom prst="rect">
             <a:avLst/>
@@ -8224,14 +8214,14 @@
           <a:lstStyle/>
           <a:p>
             <a:r>
-              <a:rPr lang="en-US" sz="1200" b="1" u="sng" dirty="0" smtClean="0">
+              <a:rPr lang="en-US" sz="1000" b="1" u="sng" dirty="0" smtClean="0">
                 <a:solidFill>
                   <a:schemeClr val="bg1"/>
                 </a:solidFill>
               </a:rPr>
               <a:t>My Team</a:t>
             </a:r>
-            <a:endParaRPr lang="en-US" sz="1200" b="1" u="sng" dirty="0">
+            <a:endParaRPr lang="en-US" sz="1000" b="1" u="sng" dirty="0">
               <a:solidFill>
                 <a:schemeClr val="bg1"/>
               </a:solidFill>
@@ -8560,17 +8550,7 @@
                       </a:schemeClr>
                     </a:solidFill>
                   </a:rPr>
-                  <a:t>Hire Date</a:t>
-                </a:r>
-                <a:r>
-                  <a:rPr lang="en-US" sz="800" b="1" dirty="0" smtClean="0">
-                    <a:solidFill>
-                      <a:schemeClr val="accent1">
-                        <a:lumMod val="75000"/>
-                      </a:schemeClr>
-                    </a:solidFill>
-                  </a:rPr>
-                  <a:t>:  </a:t>
+                  <a:t>Hire Date:  </a:t>
                 </a:r>
                 <a:r>
                   <a:rPr lang="en-US" sz="800" dirty="0" smtClean="0">
@@ -8604,13 +8584,6 @@
                   </a:rPr>
                   <a:t>Dev Lead</a:t>
                 </a:r>
-                <a:endParaRPr lang="en-US" sz="800" dirty="0" smtClean="0">
-                  <a:solidFill>
-                    <a:schemeClr val="accent1">
-                      <a:lumMod val="75000"/>
-                    </a:schemeClr>
-                  </a:solidFill>
-                </a:endParaRPr>
               </a:p>
               <a:p>
                 <a:r>
@@ -8631,17 +8604,7 @@
                       </a:schemeClr>
                     </a:solidFill>
                   </a:rPr>
-                  <a:t>:  </a:t>
-                </a:r>
-                <a:r>
-                  <a:rPr lang="en-US" sz="800" dirty="0" smtClean="0">
-                    <a:solidFill>
-                      <a:schemeClr val="accent1">
-                        <a:lumMod val="75000"/>
-                      </a:schemeClr>
-                    </a:solidFill>
-                  </a:rPr>
-                  <a:t>Task Updated</a:t>
+                  <a:t>:  Task Updated</a:t>
                 </a:r>
                 <a:endParaRPr lang="en-US" sz="800" dirty="0">
                   <a:solidFill>
@@ -8887,13 +8850,6 @@
                   </a:rPr>
                   <a:t>:  Task Updated</a:t>
                 </a:r>
-                <a:endParaRPr lang="en-US" sz="800" dirty="0">
-                  <a:solidFill>
-                    <a:schemeClr val="accent1">
-                      <a:lumMod val="75000"/>
-                    </a:schemeClr>
-                  </a:solidFill>
-                </a:endParaRPr>
               </a:p>
             </p:txBody>
           </p:sp>
@@ -9131,13 +9087,6 @@
                   </a:rPr>
                   <a:t>:  Task Updated</a:t>
                 </a:r>
-                <a:endParaRPr lang="en-US" sz="800" dirty="0">
-                  <a:solidFill>
-                    <a:schemeClr val="accent1">
-                      <a:lumMod val="75000"/>
-                    </a:schemeClr>
-                  </a:solidFill>
-                </a:endParaRPr>
               </a:p>
             </p:txBody>
           </p:sp>
@@ -9331,13 +9280,6 @@
                 </a:rPr>
                 <a:t>:  Task Updated</a:t>
               </a:r>
-              <a:endParaRPr lang="en-US" sz="800" dirty="0">
-                <a:solidFill>
-                  <a:schemeClr val="accent1">
-                    <a:lumMod val="75000"/>
-                  </a:schemeClr>
-                </a:solidFill>
-              </a:endParaRPr>
             </a:p>
           </p:txBody>
         </p:sp>
@@ -9574,13 +9516,6 @@
                   </a:rPr>
                   <a:t>:  Task Updated</a:t>
                 </a:r>
-                <a:endParaRPr lang="en-US" sz="800" dirty="0">
-                  <a:solidFill>
-                    <a:schemeClr val="accent1">
-                      <a:lumMod val="75000"/>
-                    </a:schemeClr>
-                  </a:solidFill>
-                </a:endParaRPr>
               </a:p>
             </p:txBody>
           </p:sp>
@@ -10337,13 +10272,6 @@
               </a:rPr>
               <a:t>:  Task Updated</a:t>
             </a:r>
-            <a:endParaRPr lang="en-US" sz="1100" dirty="0">
-              <a:solidFill>
-                <a:schemeClr val="accent1">
-                  <a:lumMod val="75000"/>
-                </a:schemeClr>
-              </a:solidFill>
-            </a:endParaRPr>
           </a:p>
         </p:txBody>
       </p:sp>
@@ -10488,7 +10416,7 @@
         <p:spPr>
           <a:xfrm>
             <a:off x="4861040" y="1058898"/>
-            <a:ext cx="1340975" cy="276999"/>
+            <a:ext cx="1340975" cy="246221"/>
           </a:xfrm>
           <a:prstGeom prst="rect">
             <a:avLst/>
@@ -10502,14 +10430,14 @@
           <a:lstStyle/>
           <a:p>
             <a:r>
-              <a:rPr lang="en-US" sz="1200" smtClean="0">
+              <a:rPr lang="en-US" sz="1000" smtClean="0">
                 <a:solidFill>
                   <a:schemeClr val="bg1"/>
                 </a:solidFill>
               </a:rPr>
               <a:t>Team Dashboard</a:t>
             </a:r>
-            <a:endParaRPr lang="en-US" sz="1200" dirty="0">
+            <a:endParaRPr lang="en-US" sz="1000" dirty="0">
               <a:solidFill>
                 <a:schemeClr val="bg1"/>
               </a:solidFill>
@@ -10749,7 +10677,7 @@
         <p:spPr>
           <a:xfrm>
             <a:off x="2333754" y="1059093"/>
-            <a:ext cx="1132927" cy="276999"/>
+            <a:ext cx="1132927" cy="246221"/>
           </a:xfrm>
           <a:prstGeom prst="rect">
             <a:avLst/>
@@ -10763,14 +10691,14 @@
           <a:lstStyle/>
           <a:p>
             <a:r>
-              <a:rPr lang="en-US" sz="1200" dirty="0" smtClean="0">
+              <a:rPr lang="en-US" sz="1000" dirty="0" smtClean="0">
                 <a:solidFill>
                   <a:srgbClr val="F3FFF1"/>
                 </a:solidFill>
               </a:rPr>
               <a:t>My Dashboard</a:t>
             </a:r>
-            <a:endParaRPr lang="en-US" sz="1200" dirty="0">
+            <a:endParaRPr lang="en-US" sz="1000" dirty="0">
               <a:solidFill>
                 <a:srgbClr val="F3FFF1"/>
               </a:solidFill>
@@ -10787,7 +10715,7 @@
         <p:spPr>
           <a:xfrm>
             <a:off x="3384564" y="1059093"/>
-            <a:ext cx="851335" cy="276999"/>
+            <a:ext cx="851335" cy="246221"/>
           </a:xfrm>
           <a:prstGeom prst="rect">
             <a:avLst/>
@@ -10801,14 +10729,14 @@
           <a:lstStyle/>
           <a:p>
             <a:r>
-              <a:rPr lang="en-US" sz="1200" dirty="0" smtClean="0">
+              <a:rPr lang="en-US" sz="1000" dirty="0" smtClean="0">
                 <a:solidFill>
                   <a:schemeClr val="bg1"/>
                 </a:solidFill>
               </a:rPr>
               <a:t>My Profile</a:t>
             </a:r>
-            <a:endParaRPr lang="en-US" sz="1200" dirty="0">
+            <a:endParaRPr lang="en-US" sz="1000" dirty="0">
               <a:solidFill>
                 <a:schemeClr val="bg1"/>
               </a:solidFill>
@@ -10825,7 +10753,7 @@
         <p:spPr>
           <a:xfrm>
             <a:off x="4180606" y="1059093"/>
-            <a:ext cx="851335" cy="276999"/>
+            <a:ext cx="851335" cy="246221"/>
           </a:xfrm>
           <a:prstGeom prst="rect">
             <a:avLst/>
@@ -10839,14 +10767,14 @@
           <a:lstStyle/>
           <a:p>
             <a:r>
-              <a:rPr lang="en-US" sz="1200" b="1" u="sng" dirty="0" smtClean="0">
+              <a:rPr lang="en-US" sz="1000" b="1" u="sng" dirty="0" smtClean="0">
                 <a:solidFill>
                   <a:schemeClr val="bg1"/>
                 </a:solidFill>
               </a:rPr>
               <a:t>My Team</a:t>
             </a:r>
-            <a:endParaRPr lang="en-US" sz="1200" b="1" u="sng" dirty="0">
+            <a:endParaRPr lang="en-US" sz="1000" b="1" u="sng" dirty="0">
               <a:solidFill>
                 <a:schemeClr val="bg1"/>
               </a:solidFill>
@@ -11377,7 +11305,7 @@
         <p:spPr>
           <a:xfrm>
             <a:off x="4861040" y="1058898"/>
-            <a:ext cx="1340975" cy="276999"/>
+            <a:ext cx="1340975" cy="246221"/>
           </a:xfrm>
           <a:prstGeom prst="rect">
             <a:avLst/>
@@ -11391,14 +11319,14 @@
           <a:lstStyle/>
           <a:p>
             <a:r>
-              <a:rPr lang="en-US" sz="1200" smtClean="0">
+              <a:rPr lang="en-US" sz="1000" smtClean="0">
                 <a:solidFill>
                   <a:schemeClr val="bg1"/>
                 </a:solidFill>
               </a:rPr>
               <a:t>Team Dashboard</a:t>
             </a:r>
-            <a:endParaRPr lang="en-US" sz="1200" dirty="0">
+            <a:endParaRPr lang="en-US" sz="1000" dirty="0">
               <a:solidFill>
                 <a:schemeClr val="bg1"/>
               </a:solidFill>
@@ -11415,7 +11343,7 @@
           <p:nvPr>
             <p:extLst>
               <p:ext uri="{D42A27DB-BD31-4B8C-83A1-F6EECF244321}">
-                <p14:modId xmlns:p14="http://schemas.microsoft.com/office/powerpoint/2010/main" val="1692995391"/>
+                <p14:modId xmlns:p14="http://schemas.microsoft.com/office/powerpoint/2010/main" val="24826424"/>
               </p:ext>
             </p:extLst>
           </p:nvPr>
@@ -11685,7 +11613,7 @@
           <p:nvPr>
             <p:extLst>
               <p:ext uri="{D42A27DB-BD31-4B8C-83A1-F6EECF244321}">
-                <p14:modId xmlns:p14="http://schemas.microsoft.com/office/powerpoint/2010/main" val="15213787"/>
+                <p14:modId xmlns:p14="http://schemas.microsoft.com/office/powerpoint/2010/main" val="645880650"/>
               </p:ext>
             </p:extLst>
           </p:nvPr>
